--- a/Later/Spring_Later/20_SprintBoot_Basics/05_Scheduling/1/Spring_Boot_Scheduling_fixed_rate.pptx
+++ b/Later/Spring_Later/20_SprintBoot_Basics/05_Scheduling/1/Spring_Boot_Scheduling_fixed_rate.pptx
@@ -1,6 +1,6 @@
 
 <file path=ppt/presentation.xml><?xml version="1.0" encoding="utf-8"?>
-<p:presentation xmlns:a="http://schemas.openxmlformats.org/drawingml/2006/main" xmlns:r="http://schemas.openxmlformats.org/officeDocument/2006/relationships" xmlns:p="http://schemas.openxmlformats.org/presentationml/2006/main" saveSubsetFonts="1" bookmarkIdSeed="3">
+<p:presentation xmlns:a="http://schemas.openxmlformats.org/drawingml/2006/main" xmlns:r="http://schemas.openxmlformats.org/officeDocument/2006/relationships" xmlns:p="http://schemas.openxmlformats.org/presentationml/2006/main" saveSubsetFonts="1" bookmarkIdSeed="2">
   <p:sldMasterIdLst>
     <p:sldMasterId id="2147483672" r:id="rId1"/>
   </p:sldMasterIdLst>
@@ -8,7 +8,7 @@
     <p:notesMasterId r:id="rId3"/>
   </p:notesMasterIdLst>
   <p:sldIdLst>
-    <p:sldId id="464" r:id="rId2"/>
+    <p:sldId id="444" r:id="rId2"/>
   </p:sldIdLst>
   <p:sldSz cx="9144000" cy="5029200"/>
   <p:notesSz cx="6858000" cy="9144000"/>
@@ -107,6 +107,36 @@
       </a:defRPr>
     </a:lvl9pPr>
   </p:defaultTextStyle>
+  <p:extLst>
+    <p:ext uri="{EFAFB233-063F-42B5-8137-9DF3F51BA10A}">
+      <p15:sldGuideLst xmlns:p15="http://schemas.microsoft.com/office/powerpoint/2012/main" xmlns="">
+        <p15:guide id="1" orient="horz" pos="1585">
+          <p15:clr>
+            <a:srgbClr val="A4A3A4"/>
+          </p15:clr>
+        </p15:guide>
+        <p15:guide id="2" pos="2880">
+          <p15:clr>
+            <a:srgbClr val="A4A3A4"/>
+          </p15:clr>
+        </p15:guide>
+      </p15:sldGuideLst>
+    </p:ext>
+    <p:ext uri="{2D200454-40CA-4A62-9FC3-DE9A4176ACB9}">
+      <p15:notesGuideLst xmlns:p15="http://schemas.microsoft.com/office/powerpoint/2012/main" xmlns="">
+        <p15:guide id="1" orient="horz" pos="2880">
+          <p15:clr>
+            <a:srgbClr val="A4A3A4"/>
+          </p15:clr>
+        </p15:guide>
+        <p15:guide id="2" pos="2160">
+          <p15:clr>
+            <a:srgbClr val="A4A3A4"/>
+          </p15:clr>
+        </p15:guide>
+      </p15:notesGuideLst>
+    </p:ext>
+  </p:extLst>
 </p:presentation>
 </file>
 
@@ -790,6 +820,9 @@
   <p:clrMapOvr>
     <a:masterClrMapping/>
   </p:clrMapOvr>
+  <p:transition spd="slow" advTm="5000">
+    <p:fade/>
+  </p:transition>
 </p:sldLayout>
 </file>
 
@@ -962,6 +995,9 @@
   <p:clrMapOvr>
     <a:masterClrMapping/>
   </p:clrMapOvr>
+  <p:transition spd="slow" advTm="5000">
+    <p:fade/>
+  </p:transition>
 </p:sldLayout>
 </file>
 
@@ -1144,6 +1180,9 @@
   <p:clrMapOvr>
     <a:masterClrMapping/>
   </p:clrMapOvr>
+  <p:transition spd="slow" advTm="5000">
+    <p:fade/>
+  </p:transition>
 </p:sldLayout>
 </file>
 
@@ -1316,6 +1355,9 @@
   <p:clrMapOvr>
     <a:masterClrMapping/>
   </p:clrMapOvr>
+  <p:transition spd="slow" advTm="5000">
+    <p:fade/>
+  </p:transition>
 </p:sldLayout>
 </file>
 
@@ -1564,6 +1606,9 @@
   <p:clrMapOvr>
     <a:masterClrMapping/>
   </p:clrMapOvr>
+  <p:transition spd="slow" advTm="5000">
+    <p:fade/>
+  </p:transition>
 </p:sldLayout>
 </file>
 
@@ -1854,6 +1899,9 @@
   <p:clrMapOvr>
     <a:masterClrMapping/>
   </p:clrMapOvr>
+  <p:transition spd="slow" advTm="5000">
+    <p:fade/>
+  </p:transition>
 </p:sldLayout>
 </file>
 
@@ -2283,6 +2331,9 @@
   <p:clrMapOvr>
     <a:masterClrMapping/>
   </p:clrMapOvr>
+  <p:transition spd="slow" advTm="5000">
+    <p:fade/>
+  </p:transition>
 </p:sldLayout>
 </file>
 
@@ -2403,6 +2454,9 @@
   <p:clrMapOvr>
     <a:masterClrMapping/>
   </p:clrMapOvr>
+  <p:transition spd="slow" advTm="5000">
+    <p:fade/>
+  </p:transition>
 </p:sldLayout>
 </file>
 
@@ -2500,6 +2554,9 @@
   <p:clrMapOvr>
     <a:masterClrMapping/>
   </p:clrMapOvr>
+  <p:transition spd="slow" advTm="5000">
+    <p:fade/>
+  </p:transition>
 </p:sldLayout>
 </file>
 
@@ -2779,6 +2836,9 @@
   <p:clrMapOvr>
     <a:masterClrMapping/>
   </p:clrMapOvr>
+  <p:transition spd="slow" advTm="5000">
+    <p:fade/>
+  </p:transition>
 </p:sldLayout>
 </file>
 
@@ -3034,6 +3094,9 @@
   <p:clrMapOvr>
     <a:masterClrMapping/>
   </p:clrMapOvr>
+  <p:transition spd="slow" advTm="5000">
+    <p:fade/>
+  </p:transition>
 </p:sldLayout>
 </file>
 
@@ -3296,6 +3359,9 @@
     <p:sldLayoutId id="2147483682" r:id="rId10"/>
     <p:sldLayoutId id="2147483683" r:id="rId11"/>
   </p:sldLayoutIdLst>
+  <p:transition spd="slow" advTm="5000">
+    <p:fade/>
+  </p:transition>
   <p:txStyles>
     <p:titleStyle>
       <a:lvl1pPr algn="ctr" defTabSz="914400" rtl="0" eaLnBrk="1" latinLnBrk="0" hangingPunct="1">
@@ -3568,7 +3634,7 @@
       </p:grpSpPr>
       <p:pic>
         <p:nvPicPr>
-          <p:cNvPr id="1026" name="Picture 2"/>
+          <p:cNvPr id="7" name="Picture 2"/>
           <p:cNvPicPr>
             <a:picLocks noChangeAspect="1" noChangeArrowheads="1"/>
           </p:cNvPicPr>
@@ -3589,8 +3655,8 @@
         </p:blipFill>
         <p:spPr bwMode="auto">
           <a:xfrm>
-            <a:off x="155575" y="855648"/>
-            <a:ext cx="5592762" cy="3850518"/>
+            <a:off x="76200" y="657034"/>
+            <a:ext cx="5297966" cy="2990939"/>
           </a:xfrm>
           <a:prstGeom prst="rect">
             <a:avLst/>
@@ -3692,7 +3758,7 @@
       </p:sp>
       <p:sp>
         <p:nvSpPr>
-          <p:cNvPr id="6" name="AutoShape 2" descr="Image result for activemq image"/>
+          <p:cNvPr id="4" name="AutoShape 4" descr="Image result for file"/>
           <p:cNvSpPr>
             <a:spLocks noChangeAspect="1" noChangeArrowheads="1"/>
           </p:cNvSpPr>
@@ -3731,14 +3797,406 @@
       </p:sp>
       <p:sp>
         <p:nvSpPr>
-          <p:cNvPr id="14" name="Rectangle 13"/>
+          <p:cNvPr id="5" name="Rounded Rectangular Callout 4"/>
           <p:cNvSpPr/>
           <p:nvPr/>
         </p:nvSpPr>
         <p:spPr>
           <a:xfrm>
-            <a:off x="3429000" y="35739"/>
-            <a:ext cx="2133600" cy="276999"/>
+            <a:off x="5895974" y="1292136"/>
+            <a:ext cx="3048000" cy="2133600"/>
+          </a:xfrm>
+          <a:prstGeom prst="wedgeRoundRectCallout">
+            <a:avLst>
+              <a:gd name="adj1" fmla="val -158377"/>
+              <a:gd name="adj2" fmla="val 12691"/>
+              <a:gd name="adj3" fmla="val 16667"/>
+            </a:avLst>
+          </a:prstGeom>
+          <a:ln w="3175"/>
+        </p:spPr>
+        <p:style>
+          <a:lnRef idx="2">
+            <a:schemeClr val="accent4"/>
+          </a:lnRef>
+          <a:fillRef idx="1">
+            <a:schemeClr val="lt1"/>
+          </a:fillRef>
+          <a:effectRef idx="0">
+            <a:schemeClr val="accent4"/>
+          </a:effectRef>
+          <a:fontRef idx="minor">
+            <a:schemeClr val="dk1"/>
+          </a:fontRef>
+        </p:style>
+        <p:txBody>
+          <a:bodyPr rtlCol="0" anchor="ctr"/>
+          <a:lstStyle/>
+          <a:p>
+            <a:pPr marL="228600" indent="-228600">
+              <a:buFont typeface="Wingdings" pitchFamily="2" charset="2"/>
+              <a:buChar char="ü"/>
+            </a:pPr>
+            <a:endParaRPr lang="en-US" sz="1000" dirty="0" smtClean="0"/>
+          </a:p>
+          <a:p>
+            <a:pPr marL="228600" indent="-228600">
+              <a:buFont typeface="Wingdings" pitchFamily="2" charset="2"/>
+              <a:buChar char="ü"/>
+            </a:pPr>
+            <a:r>
+              <a:rPr lang="en-US" sz="1000" dirty="0" smtClean="0"/>
+              <a:t>The</a:t>
+            </a:r>
+            <a:r>
+              <a:rPr lang="en-US" sz="1000" dirty="0"/>
+              <a:t> </a:t>
+            </a:r>
+            <a:r>
+              <a:rPr lang="en-US" sz="1000" dirty="0">
+                <a:solidFill>
+                  <a:srgbClr val="FF0000"/>
+                </a:solidFill>
+              </a:rPr>
+              <a:t>Scheduled</a:t>
+            </a:r>
+            <a:r>
+              <a:rPr lang="en-US" sz="1000" dirty="0"/>
+              <a:t> annotation defines when a particular method runs. </a:t>
+            </a:r>
+            <a:endParaRPr lang="en-US" sz="1000" dirty="0" smtClean="0"/>
+          </a:p>
+          <a:p>
+            <a:pPr marL="228600" indent="-228600">
+              <a:buFont typeface="Wingdings" pitchFamily="2" charset="2"/>
+              <a:buChar char="ü"/>
+            </a:pPr>
+            <a:endParaRPr lang="en-US" sz="1000" dirty="0"/>
+          </a:p>
+          <a:p>
+            <a:pPr marL="228600" indent="-228600">
+              <a:buFont typeface="Wingdings" pitchFamily="2" charset="2"/>
+              <a:buChar char="ü"/>
+            </a:pPr>
+            <a:r>
+              <a:rPr lang="en-US" sz="1000" dirty="0" smtClean="0"/>
+              <a:t>NOTE</a:t>
+            </a:r>
+            <a:r>
+              <a:rPr lang="en-US" sz="1000" dirty="0"/>
+              <a:t>: This example uses </a:t>
+            </a:r>
+            <a:r>
+              <a:rPr lang="en-US" sz="1000" dirty="0">
+                <a:solidFill>
+                  <a:srgbClr val="FF0000"/>
+                </a:solidFill>
+              </a:rPr>
+              <a:t>fixedRate</a:t>
+            </a:r>
+            <a:r>
+              <a:rPr lang="en-US" sz="1000" dirty="0"/>
+              <a:t>, which specifies the interval between method invocations measured from the start time of each invocation</a:t>
+            </a:r>
+            <a:r>
+              <a:rPr lang="en-US" sz="1000" dirty="0" smtClean="0"/>
+              <a:t>.</a:t>
+            </a:r>
+          </a:p>
+          <a:p>
+            <a:pPr marL="228600" indent="-228600">
+              <a:buFont typeface="Wingdings" pitchFamily="2" charset="2"/>
+              <a:buChar char="ü"/>
+            </a:pPr>
+            <a:endParaRPr lang="en-US" sz="1000" dirty="0"/>
+          </a:p>
+          <a:p>
+            <a:pPr marL="228600" indent="-228600">
+              <a:buFont typeface="Wingdings" pitchFamily="2" charset="2"/>
+              <a:buChar char="ü"/>
+            </a:pPr>
+            <a:r>
+              <a:rPr lang="en-US" sz="1000" dirty="0"/>
+              <a:t>Note that the beginning of the task execution </a:t>
+            </a:r>
+            <a:r>
+              <a:rPr lang="en-US" sz="1000" b="1" dirty="0"/>
+              <a:t>doesn’t wait for the completion of the previous </a:t>
+            </a:r>
+            <a:r>
+              <a:rPr lang="en-US" sz="1000" b="1" dirty="0" smtClean="0"/>
+              <a:t>execution</a:t>
+            </a:r>
+            <a:r>
+              <a:rPr lang="en-US" sz="1000" dirty="0" smtClean="0"/>
+              <a:t>.This </a:t>
+            </a:r>
+            <a:r>
+              <a:rPr lang="en-US" sz="1000" dirty="0"/>
+              <a:t>option should be used when each execution of the task is independent.</a:t>
+            </a:r>
+          </a:p>
+          <a:p>
+            <a:pPr marL="228600" indent="-228600">
+              <a:buFont typeface="Wingdings" pitchFamily="2" charset="2"/>
+              <a:buChar char="ü"/>
+            </a:pPr>
+            <a:endParaRPr lang="en-US" sz="1000" dirty="0"/>
+          </a:p>
+        </p:txBody>
+      </p:sp>
+      <p:sp>
+        <p:nvSpPr>
+          <p:cNvPr id="8" name="Rounded Rectangular Callout 7"/>
+          <p:cNvSpPr/>
+          <p:nvPr/>
+        </p:nvSpPr>
+        <p:spPr>
+          <a:xfrm>
+            <a:off x="3305174" y="329997"/>
+            <a:ext cx="3048000" cy="654075"/>
+          </a:xfrm>
+          <a:prstGeom prst="wedgeRoundRectCallout">
+            <a:avLst>
+              <a:gd name="adj1" fmla="val -105252"/>
+              <a:gd name="adj2" fmla="val 145941"/>
+              <a:gd name="adj3" fmla="val 16667"/>
+            </a:avLst>
+          </a:prstGeom>
+          <a:ln w="3175"/>
+        </p:spPr>
+        <p:style>
+          <a:lnRef idx="2">
+            <a:schemeClr val="accent4"/>
+          </a:lnRef>
+          <a:fillRef idx="1">
+            <a:schemeClr val="lt1"/>
+          </a:fillRef>
+          <a:effectRef idx="0">
+            <a:schemeClr val="accent4"/>
+          </a:effectRef>
+          <a:fontRef idx="minor">
+            <a:schemeClr val="dk1"/>
+          </a:fontRef>
+        </p:style>
+        <p:txBody>
+          <a:bodyPr rtlCol="0" anchor="ctr"/>
+          <a:lstStyle/>
+          <a:p>
+            <a:r>
+              <a:rPr lang="en-US" sz="1200" dirty="0">
+                <a:solidFill>
+                  <a:srgbClr val="FF0000"/>
+                </a:solidFill>
+              </a:rPr>
+              <a:t>@EnableScheduling</a:t>
+            </a:r>
+            <a:r>
+              <a:rPr lang="en-US" sz="1200" dirty="0"/>
+              <a:t> ensures that a background task executor is created. Without it, nothing gets scheduled.</a:t>
+            </a:r>
+          </a:p>
+        </p:txBody>
+      </p:sp>
+      <p:sp>
+        <p:nvSpPr>
+          <p:cNvPr id="6" name="Rectangle 5"/>
+          <p:cNvSpPr/>
+          <p:nvPr/>
+        </p:nvSpPr>
+        <p:spPr>
+          <a:xfrm>
+            <a:off x="981074" y="3730536"/>
+            <a:ext cx="7277099" cy="646331"/>
+          </a:xfrm>
+          <a:prstGeom prst="rect">
+            <a:avLst/>
+          </a:prstGeom>
+        </p:spPr>
+        <p:style>
+          <a:lnRef idx="1">
+            <a:schemeClr val="accent4"/>
+          </a:lnRef>
+          <a:fillRef idx="3">
+            <a:schemeClr val="accent4"/>
+          </a:fillRef>
+          <a:effectRef idx="2">
+            <a:schemeClr val="accent4"/>
+          </a:effectRef>
+          <a:fontRef idx="minor">
+            <a:schemeClr val="lt1"/>
+          </a:fontRef>
+        </p:style>
+        <p:txBody>
+          <a:bodyPr wrap="square">
+            <a:spAutoFit/>
+          </a:bodyPr>
+          <a:lstStyle/>
+          <a:p>
+            <a:r>
+              <a:rPr lang="en-US" sz="1200" dirty="0"/>
+              <a:t>The simple rules that need to be followed to annotate a method with </a:t>
+            </a:r>
+            <a:r>
+              <a:rPr lang="en-US" sz="1200" i="1" dirty="0"/>
+              <a:t>@Scheduled</a:t>
+            </a:r>
+            <a:r>
+              <a:rPr lang="en-US" sz="1200" dirty="0"/>
+              <a:t> are:</a:t>
+            </a:r>
+          </a:p>
+          <a:p>
+            <a:pPr marL="685800" lvl="1" indent="-228600">
+              <a:buFont typeface="+mj-lt"/>
+              <a:buAutoNum type="arabicPeriod"/>
+            </a:pPr>
+            <a:r>
+              <a:rPr lang="en-US" sz="1200" dirty="0"/>
+              <a:t>a method should have void return type</a:t>
+            </a:r>
+          </a:p>
+          <a:p>
+            <a:pPr marL="685800" lvl="1" indent="-228600">
+              <a:buFont typeface="+mj-lt"/>
+              <a:buAutoNum type="arabicPeriod"/>
+            </a:pPr>
+            <a:r>
+              <a:rPr lang="en-US" sz="1200" dirty="0"/>
+              <a:t>a method should not accept any parameters</a:t>
+            </a:r>
+          </a:p>
+        </p:txBody>
+      </p:sp>
+      <p:sp>
+        <p:nvSpPr>
+          <p:cNvPr id="10" name="Flowchart: Alternate Process 9"/>
+          <p:cNvSpPr/>
+          <p:nvPr/>
+        </p:nvSpPr>
+        <p:spPr>
+          <a:xfrm>
+            <a:off x="0" y="4572000"/>
+            <a:ext cx="4416424" cy="342900"/>
+          </a:xfrm>
+          <a:prstGeom prst="flowChartAlternateProcess">
+            <a:avLst/>
+          </a:prstGeom>
+        </p:spPr>
+        <p:style>
+          <a:lnRef idx="1">
+            <a:schemeClr val="accent3"/>
+          </a:lnRef>
+          <a:fillRef idx="2">
+            <a:schemeClr val="accent3"/>
+          </a:fillRef>
+          <a:effectRef idx="1">
+            <a:schemeClr val="accent3"/>
+          </a:effectRef>
+          <a:fontRef idx="minor">
+            <a:schemeClr val="dk1"/>
+          </a:fontRef>
+        </p:style>
+        <p:txBody>
+          <a:bodyPr rtlCol="0" anchor="ctr"/>
+          <a:lstStyle/>
+          <a:p>
+            <a:pPr algn="ctr"/>
+            <a:r>
+              <a:rPr lang="en-US" sz="1200" dirty="0"/>
+              <a:t>@Scheduled(</a:t>
+            </a:r>
+            <a:r>
+              <a:rPr lang="en-US" sz="1200" dirty="0" err="1"/>
+              <a:t>fixedRateString</a:t>
+            </a:r>
+            <a:r>
+              <a:rPr lang="en-US" sz="1200" dirty="0"/>
+              <a:t> = "${</a:t>
+            </a:r>
+            <a:r>
+              <a:rPr lang="en-US" sz="1200" dirty="0" err="1"/>
+              <a:t>fixedRate.in.milliseconds</a:t>
+            </a:r>
+            <a:r>
+              <a:rPr lang="en-US" sz="1200" dirty="0"/>
+              <a:t>}")</a:t>
+            </a:r>
+          </a:p>
+        </p:txBody>
+      </p:sp>
+      <p:sp>
+        <p:nvSpPr>
+          <p:cNvPr id="13" name="Rounded Rectangular Callout 12"/>
+          <p:cNvSpPr/>
+          <p:nvPr/>
+        </p:nvSpPr>
+        <p:spPr>
+          <a:xfrm>
+            <a:off x="5105400" y="4483989"/>
+            <a:ext cx="3657600" cy="535686"/>
+          </a:xfrm>
+          <a:prstGeom prst="wedgeRoundRectCallout">
+            <a:avLst>
+              <a:gd name="adj1" fmla="val -71614"/>
+              <a:gd name="adj2" fmla="val 5335"/>
+              <a:gd name="adj3" fmla="val 16667"/>
+            </a:avLst>
+          </a:prstGeom>
+          <a:ln w="3175"/>
+        </p:spPr>
+        <p:style>
+          <a:lnRef idx="2">
+            <a:schemeClr val="accent4"/>
+          </a:lnRef>
+          <a:fillRef idx="1">
+            <a:schemeClr val="lt1"/>
+          </a:fillRef>
+          <a:effectRef idx="0">
+            <a:schemeClr val="accent4"/>
+          </a:effectRef>
+          <a:fontRef idx="minor">
+            <a:schemeClr val="dk1"/>
+          </a:fontRef>
+        </p:style>
+        <p:txBody>
+          <a:bodyPr rtlCol="0" anchor="ctr"/>
+          <a:lstStyle/>
+          <a:p>
+            <a:endParaRPr lang="en-US" sz="800" dirty="0" smtClean="0"/>
+          </a:p>
+          <a:p>
+            <a:r>
+              <a:rPr lang="en-US" sz="800" dirty="0" smtClean="0"/>
+              <a:t>Hardcoding </a:t>
+            </a:r>
+            <a:r>
+              <a:rPr lang="en-US" sz="800" dirty="0"/>
+              <a:t>these schedules is simple, but usually, you need to be able to control the schedule without re-compiling and re-deploying the entire app.</a:t>
+            </a:r>
+          </a:p>
+          <a:p>
+            <a:r>
+              <a:rPr lang="en-US" sz="800" dirty="0"/>
+              <a:t>We’ll make use of Spring Expressions to externalize the configuration of the tasks – and we’ll store these in properties files:</a:t>
+            </a:r>
+          </a:p>
+          <a:p>
+            <a:pPr algn="ctr"/>
+            <a:endParaRPr lang="en-US" sz="800" dirty="0"/>
+          </a:p>
+        </p:txBody>
+      </p:sp>
+      <p:sp>
+        <p:nvSpPr>
+          <p:cNvPr id="12" name="Rectangle 11"/>
+          <p:cNvSpPr/>
+          <p:nvPr/>
+        </p:nvSpPr>
+        <p:spPr>
+          <a:xfrm>
+            <a:off x="3305174" y="0"/>
+            <a:ext cx="2257426" cy="276999"/>
           </a:xfrm>
           <a:prstGeom prst="rect">
             <a:avLst/>
@@ -3861,165 +4319,29 @@
             <a:pPr algn="ctr"/>
             <a:r>
               <a:rPr lang="en-US" sz="1200" dirty="0"/>
-              <a:t>Spring Boot - File </a:t>
+              <a:t>Schedule a Task at a Fixed </a:t>
             </a:r>
             <a:r>
               <a:rPr lang="en-US" sz="1200" dirty="0" smtClean="0"/>
-              <a:t>Download</a:t>
+              <a:t>Rate</a:t>
             </a:r>
             <a:endParaRPr lang="en-US" sz="1200" dirty="0"/>
           </a:p>
         </p:txBody>
       </p:sp>
-      <p:sp>
-        <p:nvSpPr>
-          <p:cNvPr id="5" name="Rectangular Callout 4"/>
-          <p:cNvSpPr/>
-          <p:nvPr/>
-        </p:nvSpPr>
-        <p:spPr>
-          <a:xfrm>
-            <a:off x="5734982" y="2545010"/>
-            <a:ext cx="3200400" cy="533400"/>
-          </a:xfrm>
-          <a:prstGeom prst="wedgeRectCallout">
-            <a:avLst>
-              <a:gd name="adj1" fmla="val -116066"/>
-              <a:gd name="adj2" fmla="val 34960"/>
-            </a:avLst>
-          </a:prstGeom>
-          <a:ln w="3175"/>
-        </p:spPr>
-        <p:style>
-          <a:lnRef idx="2">
-            <a:schemeClr val="accent4"/>
-          </a:lnRef>
-          <a:fillRef idx="1">
-            <a:schemeClr val="lt1"/>
-          </a:fillRef>
-          <a:effectRef idx="0">
-            <a:schemeClr val="accent4"/>
-          </a:effectRef>
-          <a:fontRef idx="minor">
-            <a:schemeClr val="dk1"/>
-          </a:fontRef>
-        </p:style>
-        <p:txBody>
-          <a:bodyPr rtlCol="0" anchor="ctr"/>
-          <a:lstStyle/>
-          <a:p>
-            <a:pPr marL="171450" indent="-171450">
-              <a:buFont typeface="Wingdings" pitchFamily="2" charset="2"/>
-              <a:buChar char="ü"/>
-            </a:pPr>
-            <a:r>
-              <a:rPr lang="en-US" sz="1200" dirty="0"/>
-              <a:t>We need to set the </a:t>
-            </a:r>
-            <a:r>
-              <a:rPr lang="en-US" sz="1200" dirty="0" err="1"/>
-              <a:t>HttpHeader</a:t>
-            </a:r>
-            <a:r>
-              <a:rPr lang="en-US" sz="1200" dirty="0"/>
-              <a:t> </a:t>
-            </a:r>
-            <a:r>
-              <a:rPr lang="en-US" sz="1200" b="1" dirty="0"/>
-              <a:t>Content-Disposition</a:t>
-            </a:r>
-            <a:r>
-              <a:rPr lang="en-US" sz="1200" dirty="0"/>
-              <a:t> in Response and need to specify the response Media Type of the application.</a:t>
-            </a:r>
-          </a:p>
-        </p:txBody>
-      </p:sp>
-      <p:cxnSp>
-        <p:nvCxnSpPr>
-          <p:cNvPr id="7" name="Straight Arrow Connector 6"/>
-          <p:cNvCxnSpPr/>
-          <p:nvPr/>
-        </p:nvCxnSpPr>
-        <p:spPr>
-          <a:xfrm flipH="1">
-            <a:off x="1600200" y="1295400"/>
-            <a:ext cx="457200" cy="762000"/>
-          </a:xfrm>
-          <a:prstGeom prst="straightConnector1">
-            <a:avLst/>
-          </a:prstGeom>
-          <a:ln>
-            <a:tailEnd type="arrow"/>
-          </a:ln>
-        </p:spPr>
-        <p:style>
-          <a:lnRef idx="1">
-            <a:schemeClr val="accent1"/>
-          </a:lnRef>
-          <a:fillRef idx="0">
-            <a:schemeClr val="accent1"/>
-          </a:fillRef>
-          <a:effectRef idx="0">
-            <a:schemeClr val="accent1"/>
-          </a:effectRef>
-          <a:fontRef idx="minor">
-            <a:schemeClr val="tx1"/>
-          </a:fontRef>
-        </p:style>
-      </p:cxnSp>
-      <p:cxnSp>
-        <p:nvCxnSpPr>
-          <p:cNvPr id="9" name="Straight Arrow Connector 8"/>
-          <p:cNvCxnSpPr/>
-          <p:nvPr/>
-        </p:nvCxnSpPr>
-        <p:spPr>
-          <a:xfrm>
-            <a:off x="1676400" y="1447800"/>
-            <a:ext cx="381000" cy="457200"/>
-          </a:xfrm>
-          <a:prstGeom prst="straightConnector1">
-            <a:avLst/>
-          </a:prstGeom>
-          <a:ln>
-            <a:headEnd type="arrow"/>
-            <a:tailEnd type="arrow"/>
-          </a:ln>
-        </p:spPr>
-        <p:style>
-          <a:lnRef idx="1">
-            <a:schemeClr val="accent1"/>
-          </a:lnRef>
-          <a:fillRef idx="0">
-            <a:schemeClr val="accent1"/>
-          </a:fillRef>
-          <a:effectRef idx="0">
-            <a:schemeClr val="accent1"/>
-          </a:effectRef>
-          <a:fontRef idx="minor">
-            <a:schemeClr val="tx1"/>
-          </a:fontRef>
-        </p:style>
-      </p:cxnSp>
     </p:spTree>
     <p:extLst>
       <p:ext uri="{BB962C8B-B14F-4D97-AF65-F5344CB8AC3E}">
-        <p14:creationId xmlns:p14="http://schemas.microsoft.com/office/powerpoint/2010/main" val="228581700"/>
+        <p14:creationId xmlns:p14="http://schemas.microsoft.com/office/powerpoint/2010/main" val="2344867029"/>
       </p:ext>
     </p:extLst>
   </p:cSld>
   <p:clrMapOvr>
     <a:masterClrMapping/>
   </p:clrMapOvr>
-  <mc:AlternateContent xmlns:mc="http://schemas.openxmlformats.org/markup-compatibility/2006" xmlns:p14="http://schemas.microsoft.com/office/powerpoint/2010/main">
-    <mc:Choice Requires="p14">
-      <p:transition spd="slow" p14:dur="2000"/>
-    </mc:Choice>
-    <mc:Fallback xmlns="">
-      <p:transition spd="slow"/>
-    </mc:Fallback>
-  </mc:AlternateContent>
+  <p:transition spd="slow" advTm="5000">
+    <p:fade/>
+  </p:transition>
   <p:timing>
     <p:tnLst>
       <p:par>
